--- a/material/papers/grover/grover_derivation_schroedinger.pptx
+++ b/material/papers/grover/grover_derivation_schroedinger.pptx
@@ -288,7 +288,8 @@
           <a:p>
             <a:fld id="{A2B04E2A-7AFA-4937-89EF-9CDBF30C778D}" type="datetimeFigureOut">
               <a:rPr lang="de-DE" smtClean="0"/>
-              <a:t>16.05.2012</a:t>
+              <a:pPr/>
+              <a:t>13.06.2012</a:t>
             </a:fld>
             <a:endParaRPr lang="de-DE"/>
           </a:p>
@@ -330,6 +331,7 @@
           <a:p>
             <a:fld id="{CF4E4B35-74BC-4C17-98AC-FA7867FDD448}" type="slidenum">
               <a:rPr lang="de-DE" smtClean="0"/>
+              <a:pPr/>
               <a:t>‹Nr.›</a:t>
             </a:fld>
             <a:endParaRPr lang="de-DE"/>
@@ -453,7 +455,8 @@
           <a:p>
             <a:fld id="{A2B04E2A-7AFA-4937-89EF-9CDBF30C778D}" type="datetimeFigureOut">
               <a:rPr lang="de-DE" smtClean="0"/>
-              <a:t>16.05.2012</a:t>
+              <a:pPr/>
+              <a:t>13.06.2012</a:t>
             </a:fld>
             <a:endParaRPr lang="de-DE"/>
           </a:p>
@@ -495,6 +498,7 @@
           <a:p>
             <a:fld id="{CF4E4B35-74BC-4C17-98AC-FA7867FDD448}" type="slidenum">
               <a:rPr lang="de-DE" smtClean="0"/>
+              <a:pPr/>
               <a:t>‹Nr.›</a:t>
             </a:fld>
             <a:endParaRPr lang="de-DE"/>
@@ -628,7 +632,8 @@
           <a:p>
             <a:fld id="{A2B04E2A-7AFA-4937-89EF-9CDBF30C778D}" type="datetimeFigureOut">
               <a:rPr lang="de-DE" smtClean="0"/>
-              <a:t>16.05.2012</a:t>
+              <a:pPr/>
+              <a:t>13.06.2012</a:t>
             </a:fld>
             <a:endParaRPr lang="de-DE"/>
           </a:p>
@@ -670,6 +675,7 @@
           <a:p>
             <a:fld id="{CF4E4B35-74BC-4C17-98AC-FA7867FDD448}" type="slidenum">
               <a:rPr lang="de-DE" smtClean="0"/>
+              <a:pPr/>
               <a:t>‹Nr.›</a:t>
             </a:fld>
             <a:endParaRPr lang="de-DE"/>
@@ -793,7 +799,8 @@
           <a:p>
             <a:fld id="{A2B04E2A-7AFA-4937-89EF-9CDBF30C778D}" type="datetimeFigureOut">
               <a:rPr lang="de-DE" smtClean="0"/>
-              <a:t>16.05.2012</a:t>
+              <a:pPr/>
+              <a:t>13.06.2012</a:t>
             </a:fld>
             <a:endParaRPr lang="de-DE"/>
           </a:p>
@@ -835,6 +842,7 @@
           <a:p>
             <a:fld id="{CF4E4B35-74BC-4C17-98AC-FA7867FDD448}" type="slidenum">
               <a:rPr lang="de-DE" smtClean="0"/>
+              <a:pPr/>
               <a:t>‹Nr.›</a:t>
             </a:fld>
             <a:endParaRPr lang="de-DE"/>
@@ -1034,7 +1042,8 @@
           <a:p>
             <a:fld id="{A2B04E2A-7AFA-4937-89EF-9CDBF30C778D}" type="datetimeFigureOut">
               <a:rPr lang="de-DE" smtClean="0"/>
-              <a:t>16.05.2012</a:t>
+              <a:pPr/>
+              <a:t>13.06.2012</a:t>
             </a:fld>
             <a:endParaRPr lang="de-DE"/>
           </a:p>
@@ -1076,6 +1085,7 @@
           <a:p>
             <a:fld id="{CF4E4B35-74BC-4C17-98AC-FA7867FDD448}" type="slidenum">
               <a:rPr lang="de-DE" smtClean="0"/>
+              <a:pPr/>
               <a:t>‹Nr.›</a:t>
             </a:fld>
             <a:endParaRPr lang="de-DE"/>
@@ -1317,7 +1327,8 @@
           <a:p>
             <a:fld id="{A2B04E2A-7AFA-4937-89EF-9CDBF30C778D}" type="datetimeFigureOut">
               <a:rPr lang="de-DE" smtClean="0"/>
-              <a:t>16.05.2012</a:t>
+              <a:pPr/>
+              <a:t>13.06.2012</a:t>
             </a:fld>
             <a:endParaRPr lang="de-DE"/>
           </a:p>
@@ -1359,6 +1370,7 @@
           <a:p>
             <a:fld id="{CF4E4B35-74BC-4C17-98AC-FA7867FDD448}" type="slidenum">
               <a:rPr lang="de-DE" smtClean="0"/>
+              <a:pPr/>
               <a:t>‹Nr.›</a:t>
             </a:fld>
             <a:endParaRPr lang="de-DE"/>
@@ -1734,7 +1746,8 @@
           <a:p>
             <a:fld id="{A2B04E2A-7AFA-4937-89EF-9CDBF30C778D}" type="datetimeFigureOut">
               <a:rPr lang="de-DE" smtClean="0"/>
-              <a:t>16.05.2012</a:t>
+              <a:pPr/>
+              <a:t>13.06.2012</a:t>
             </a:fld>
             <a:endParaRPr lang="de-DE"/>
           </a:p>
@@ -1776,6 +1789,7 @@
           <a:p>
             <a:fld id="{CF4E4B35-74BC-4C17-98AC-FA7867FDD448}" type="slidenum">
               <a:rPr lang="de-DE" smtClean="0"/>
+              <a:pPr/>
               <a:t>‹Nr.›</a:t>
             </a:fld>
             <a:endParaRPr lang="de-DE"/>
@@ -1847,7 +1861,8 @@
           <a:p>
             <a:fld id="{A2B04E2A-7AFA-4937-89EF-9CDBF30C778D}" type="datetimeFigureOut">
               <a:rPr lang="de-DE" smtClean="0"/>
-              <a:t>16.05.2012</a:t>
+              <a:pPr/>
+              <a:t>13.06.2012</a:t>
             </a:fld>
             <a:endParaRPr lang="de-DE"/>
           </a:p>
@@ -1889,6 +1904,7 @@
           <a:p>
             <a:fld id="{CF4E4B35-74BC-4C17-98AC-FA7867FDD448}" type="slidenum">
               <a:rPr lang="de-DE" smtClean="0"/>
+              <a:pPr/>
               <a:t>‹Nr.›</a:t>
             </a:fld>
             <a:endParaRPr lang="de-DE"/>
@@ -1937,7 +1953,8 @@
           <a:p>
             <a:fld id="{A2B04E2A-7AFA-4937-89EF-9CDBF30C778D}" type="datetimeFigureOut">
               <a:rPr lang="de-DE" smtClean="0"/>
-              <a:t>16.05.2012</a:t>
+              <a:pPr/>
+              <a:t>13.06.2012</a:t>
             </a:fld>
             <a:endParaRPr lang="de-DE"/>
           </a:p>
@@ -1979,6 +1996,7 @@
           <a:p>
             <a:fld id="{CF4E4B35-74BC-4C17-98AC-FA7867FDD448}" type="slidenum">
               <a:rPr lang="de-DE" smtClean="0"/>
+              <a:pPr/>
               <a:t>‹Nr.›</a:t>
             </a:fld>
             <a:endParaRPr lang="de-DE"/>
@@ -2209,7 +2227,8 @@
           <a:p>
             <a:fld id="{A2B04E2A-7AFA-4937-89EF-9CDBF30C778D}" type="datetimeFigureOut">
               <a:rPr lang="de-DE" smtClean="0"/>
-              <a:t>16.05.2012</a:t>
+              <a:pPr/>
+              <a:t>13.06.2012</a:t>
             </a:fld>
             <a:endParaRPr lang="de-DE"/>
           </a:p>
@@ -2251,6 +2270,7 @@
           <a:p>
             <a:fld id="{CF4E4B35-74BC-4C17-98AC-FA7867FDD448}" type="slidenum">
               <a:rPr lang="de-DE" smtClean="0"/>
+              <a:pPr/>
               <a:t>‹Nr.›</a:t>
             </a:fld>
             <a:endParaRPr lang="de-DE"/>
@@ -2457,7 +2477,8 @@
           <a:p>
             <a:fld id="{A2B04E2A-7AFA-4937-89EF-9CDBF30C778D}" type="datetimeFigureOut">
               <a:rPr lang="de-DE" smtClean="0"/>
-              <a:t>16.05.2012</a:t>
+              <a:pPr/>
+              <a:t>13.06.2012</a:t>
             </a:fld>
             <a:endParaRPr lang="de-DE"/>
           </a:p>
@@ -2499,6 +2520,7 @@
           <a:p>
             <a:fld id="{CF4E4B35-74BC-4C17-98AC-FA7867FDD448}" type="slidenum">
               <a:rPr lang="de-DE" smtClean="0"/>
+              <a:pPr/>
               <a:t>‹Nr.›</a:t>
             </a:fld>
             <a:endParaRPr lang="de-DE"/>
@@ -2665,7 +2687,8 @@
           <a:p>
             <a:fld id="{A2B04E2A-7AFA-4937-89EF-9CDBF30C778D}" type="datetimeFigureOut">
               <a:rPr lang="de-DE" smtClean="0"/>
-              <a:t>16.05.2012</a:t>
+              <a:pPr/>
+              <a:t>13.06.2012</a:t>
             </a:fld>
             <a:endParaRPr lang="de-DE"/>
           </a:p>
@@ -2743,6 +2766,7 @@
           <a:p>
             <a:fld id="{CF4E4B35-74BC-4C17-98AC-FA7867FDD448}" type="slidenum">
               <a:rPr lang="de-DE" smtClean="0"/>
+              <a:pPr/>
               <a:t>‹Nr.›</a:t>
             </a:fld>
             <a:endParaRPr lang="de-DE"/>
@@ -4452,8 +4476,8 @@
         </p:nvSpPr>
         <p:spPr>
           <a:xfrm>
-            <a:off x="3921368" y="3635732"/>
-            <a:ext cx="362600" cy="369332"/>
+            <a:off x="3899474" y="3635732"/>
+            <a:ext cx="394660" cy="369332"/>
           </a:xfrm>
           <a:prstGeom prst="rect">
             <a:avLst/>
@@ -4467,8 +4491,8 @@
           <a:lstStyle/>
           <a:p>
             <a:r>
-              <a:rPr lang="de-DE" dirty="0" smtClean="0"/>
-              <a:t>x</a:t>
+              <a:rPr lang="de-DE" i="1" dirty="0" smtClean="0"/>
+              <a:t>V</a:t>
             </a:r>
             <a:r>
               <a:rPr lang="de-DE" baseline="-25000" dirty="0" smtClean="0"/>
@@ -4486,8 +4510,8 @@
         </p:nvSpPr>
         <p:spPr>
           <a:xfrm>
-            <a:off x="3345304" y="2996952"/>
-            <a:ext cx="362600" cy="369332"/>
+            <a:off x="3319752" y="3029874"/>
+            <a:ext cx="394660" cy="369332"/>
           </a:xfrm>
           <a:prstGeom prst="rect">
             <a:avLst/>
@@ -4501,8 +4525,8 @@
           <a:lstStyle/>
           <a:p>
             <a:r>
-              <a:rPr lang="de-DE" dirty="0" smtClean="0"/>
-              <a:t>x</a:t>
+              <a:rPr lang="de-DE" i="1" dirty="0" smtClean="0"/>
+              <a:t>V</a:t>
             </a:r>
             <a:r>
               <a:rPr lang="de-DE" baseline="-25000" dirty="0" smtClean="0"/>
@@ -4521,7 +4545,7 @@
         <p:spPr>
           <a:xfrm>
             <a:off x="4499992" y="3573016"/>
-            <a:ext cx="508473" cy="369332"/>
+            <a:ext cx="540533" cy="369332"/>
           </a:xfrm>
           <a:prstGeom prst="rect">
             <a:avLst/>
@@ -4535,8 +4559,8 @@
           <a:lstStyle/>
           <a:p>
             <a:r>
-              <a:rPr lang="de-DE" dirty="0" smtClean="0"/>
-              <a:t>x</a:t>
+              <a:rPr lang="de-DE" i="1" dirty="0" smtClean="0"/>
+              <a:t>V</a:t>
             </a:r>
             <a:r>
               <a:rPr lang="de-DE" baseline="-25000" dirty="0" smtClean="0"/>
@@ -4555,7 +4579,7 @@
         <p:spPr>
           <a:xfrm>
             <a:off x="5076056" y="2924944"/>
-            <a:ext cx="383438" cy="369332"/>
+            <a:ext cx="415498" cy="369332"/>
           </a:xfrm>
           <a:prstGeom prst="rect">
             <a:avLst/>
@@ -4569,11 +4593,11 @@
           <a:lstStyle/>
           <a:p>
             <a:r>
-              <a:rPr lang="de-DE" dirty="0" err="1" smtClean="0"/>
-              <a:t>x</a:t>
-            </a:r>
-            <a:r>
-              <a:rPr lang="de-DE" baseline="-25000" dirty="0" err="1" smtClean="0"/>
+              <a:rPr lang="de-DE" i="1" dirty="0" smtClean="0"/>
+              <a:t>V</a:t>
+            </a:r>
+            <a:r>
+              <a:rPr lang="de-DE" baseline="-25000" dirty="0" smtClean="0"/>
               <a:t>N</a:t>
             </a:r>
             <a:endParaRPr lang="de-DE" baseline="-25000" dirty="0"/>
@@ -5074,6 +5098,160 @@
           </p:txBody>
         </p:sp>
       </p:grpSp>
+      <p:cxnSp>
+        <p:nvCxnSpPr>
+          <p:cNvPr id="52" name="Gerade Verbindung mit Pfeil 51"/>
+          <p:cNvCxnSpPr/>
+          <p:nvPr/>
+        </p:nvCxnSpPr>
+        <p:spPr>
+          <a:xfrm flipV="1">
+            <a:off x="3131840" y="1412776"/>
+            <a:ext cx="0" cy="936104"/>
+          </a:xfrm>
+          <a:prstGeom prst="straightConnector1">
+            <a:avLst/>
+          </a:prstGeom>
+          <a:ln w="28575">
+            <a:solidFill>
+              <a:schemeClr val="tx1"/>
+            </a:solidFill>
+            <a:headEnd type="none" w="med" len="med"/>
+            <a:tailEnd type="triangle" w="med" len="med"/>
+          </a:ln>
+        </p:spPr>
+        <p:style>
+          <a:lnRef idx="1">
+            <a:schemeClr val="accent1"/>
+          </a:lnRef>
+          <a:fillRef idx="0">
+            <a:schemeClr val="accent1"/>
+          </a:fillRef>
+          <a:effectRef idx="0">
+            <a:schemeClr val="accent1"/>
+          </a:effectRef>
+          <a:fontRef idx="minor">
+            <a:schemeClr val="tx1"/>
+          </a:fontRef>
+        </p:style>
+      </p:cxnSp>
+      <p:sp>
+        <p:nvSpPr>
+          <p:cNvPr id="53" name="Textfeld 52"/>
+          <p:cNvSpPr txBox="1"/>
+          <p:nvPr/>
+        </p:nvSpPr>
+        <p:spPr>
+          <a:xfrm>
+            <a:off x="2699792" y="1691516"/>
+            <a:ext cx="421910" cy="369332"/>
+          </a:xfrm>
+          <a:prstGeom prst="rect">
+            <a:avLst/>
+          </a:prstGeom>
+          <a:noFill/>
+        </p:spPr>
+        <p:txBody>
+          <a:bodyPr wrap="none" rtlCol="0">
+            <a:spAutoFit/>
+          </a:bodyPr>
+          <a:lstStyle/>
+          <a:p>
+            <a:r>
+              <a:rPr lang="de-DE" dirty="0" smtClean="0">
+                <a:latin typeface="Times New Roman"/>
+                <a:cs typeface="Times New Roman"/>
+              </a:rPr>
+              <a:t>|</a:t>
+            </a:r>
+            <a:r>
+              <a:rPr lang="el-GR" dirty="0" smtClean="0">
+                <a:latin typeface="Times New Roman"/>
+                <a:cs typeface="Times New Roman"/>
+              </a:rPr>
+              <a:t>ψ</a:t>
+            </a:r>
+            <a:r>
+              <a:rPr lang="de-DE" dirty="0" smtClean="0">
+                <a:latin typeface="Times New Roman"/>
+                <a:cs typeface="Times New Roman"/>
+              </a:rPr>
+              <a:t>|</a:t>
+            </a:r>
+            <a:endParaRPr lang="de-DE" baseline="-25000" dirty="0"/>
+          </a:p>
+        </p:txBody>
+      </p:sp>
+      <p:cxnSp>
+        <p:nvCxnSpPr>
+          <p:cNvPr id="54" name="Gerade Verbindung mit Pfeil 53"/>
+          <p:cNvCxnSpPr/>
+          <p:nvPr/>
+        </p:nvCxnSpPr>
+        <p:spPr>
+          <a:xfrm flipV="1">
+            <a:off x="3131840" y="2924944"/>
+            <a:ext cx="0" cy="1008112"/>
+          </a:xfrm>
+          <a:prstGeom prst="straightConnector1">
+            <a:avLst/>
+          </a:prstGeom>
+          <a:ln w="28575">
+            <a:solidFill>
+              <a:schemeClr val="tx1"/>
+            </a:solidFill>
+            <a:headEnd type="none" w="med" len="med"/>
+            <a:tailEnd type="triangle" w="med" len="med"/>
+          </a:ln>
+        </p:spPr>
+        <p:style>
+          <a:lnRef idx="1">
+            <a:schemeClr val="accent1"/>
+          </a:lnRef>
+          <a:fillRef idx="0">
+            <a:schemeClr val="accent1"/>
+          </a:fillRef>
+          <a:effectRef idx="0">
+            <a:schemeClr val="accent1"/>
+          </a:effectRef>
+          <a:fontRef idx="minor">
+            <a:schemeClr val="tx1"/>
+          </a:fontRef>
+        </p:style>
+      </p:cxnSp>
+      <p:sp>
+        <p:nvSpPr>
+          <p:cNvPr id="56" name="Textfeld 55"/>
+          <p:cNvSpPr txBox="1"/>
+          <p:nvPr/>
+        </p:nvSpPr>
+        <p:spPr>
+          <a:xfrm>
+            <a:off x="2771800" y="3284984"/>
+            <a:ext cx="325730" cy="369332"/>
+          </a:xfrm>
+          <a:prstGeom prst="rect">
+            <a:avLst/>
+          </a:prstGeom>
+          <a:noFill/>
+        </p:spPr>
+        <p:txBody>
+          <a:bodyPr wrap="none" rtlCol="0">
+            <a:spAutoFit/>
+          </a:bodyPr>
+          <a:lstStyle/>
+          <a:p>
+            <a:r>
+              <a:rPr lang="de-DE" i="1" dirty="0" smtClean="0">
+                <a:latin typeface="Times New Roman"/>
+                <a:cs typeface="Times New Roman"/>
+              </a:rPr>
+              <a:t>V</a:t>
+            </a:r>
+            <a:endParaRPr lang="de-DE" i="1" baseline="-25000" dirty="0"/>
+          </a:p>
+        </p:txBody>
+      </p:sp>
     </p:spTree>
   </p:cSld>
   <p:clrMapOvr>
